--- a/documents/Схемы.pptx
+++ b/documents/Схемы.pptx
@@ -117,7 +117,7 @@
   </p:defaultTextStyle>
   <p:extLst>
     <p:ext uri="{EFAFB233-063F-42B5-8137-9DF3F51BA10A}">
-      <p15:sldGuideLst xmlns:p15="http://schemas.microsoft.com/office/powerpoint/2012/main" xmlns="">
+      <p15:sldGuideLst xmlns="" xmlns:p15="http://schemas.microsoft.com/office/powerpoint/2012/main">
         <p15:guide id="1" orient="horz" pos="2160">
           <p15:clr>
             <a:srgbClr val="A4A3A4"/>
@@ -316,7 +316,7 @@
             <a:fld id="{7EAF463A-BC7C-46EE-9F1E-7F377CCA4891}" type="datetimeFigureOut">
               <a:rPr lang="en-US" smtClean="0"/>
               <a:pPr/>
-              <a:t>6/28/2018</a:t>
+              <a:t>6/29/2018</a:t>
             </a:fld>
             <a:endParaRPr lang="en-US"/>
           </a:p>
@@ -483,7 +483,7 @@
             <a:fld id="{7EAF463A-BC7C-46EE-9F1E-7F377CCA4891}" type="datetimeFigureOut">
               <a:rPr lang="en-US" smtClean="0"/>
               <a:pPr/>
-              <a:t>6/28/2018</a:t>
+              <a:t>6/29/2018</a:t>
             </a:fld>
             <a:endParaRPr lang="en-US"/>
           </a:p>
@@ -660,7 +660,7 @@
             <a:fld id="{7EAF463A-BC7C-46EE-9F1E-7F377CCA4891}" type="datetimeFigureOut">
               <a:rPr lang="en-US" smtClean="0"/>
               <a:pPr/>
-              <a:t>6/28/2018</a:t>
+              <a:t>6/29/2018</a:t>
             </a:fld>
             <a:endParaRPr lang="en-US"/>
           </a:p>
@@ -827,7 +827,7 @@
             <a:fld id="{7EAF463A-BC7C-46EE-9F1E-7F377CCA4891}" type="datetimeFigureOut">
               <a:rPr lang="en-US" smtClean="0"/>
               <a:pPr/>
-              <a:t>6/28/2018</a:t>
+              <a:t>6/29/2018</a:t>
             </a:fld>
             <a:endParaRPr lang="en-US"/>
           </a:p>
@@ -1070,7 +1070,7 @@
             <a:fld id="{7EAF463A-BC7C-46EE-9F1E-7F377CCA4891}" type="datetimeFigureOut">
               <a:rPr lang="en-US" smtClean="0"/>
               <a:pPr/>
-              <a:t>6/28/2018</a:t>
+              <a:t>6/29/2018</a:t>
             </a:fld>
             <a:endParaRPr lang="en-US"/>
           </a:p>
@@ -1355,7 +1355,7 @@
             <a:fld id="{7EAF463A-BC7C-46EE-9F1E-7F377CCA4891}" type="datetimeFigureOut">
               <a:rPr lang="en-US" smtClean="0"/>
               <a:pPr/>
-              <a:t>6/28/2018</a:t>
+              <a:t>6/29/2018</a:t>
             </a:fld>
             <a:endParaRPr lang="en-US"/>
           </a:p>
@@ -1774,7 +1774,7 @@
             <a:fld id="{7EAF463A-BC7C-46EE-9F1E-7F377CCA4891}" type="datetimeFigureOut">
               <a:rPr lang="en-US" smtClean="0"/>
               <a:pPr/>
-              <a:t>6/28/2018</a:t>
+              <a:t>6/29/2018</a:t>
             </a:fld>
             <a:endParaRPr lang="en-US"/>
           </a:p>
@@ -1889,7 +1889,7 @@
             <a:fld id="{7EAF463A-BC7C-46EE-9F1E-7F377CCA4891}" type="datetimeFigureOut">
               <a:rPr lang="en-US" smtClean="0"/>
               <a:pPr/>
-              <a:t>6/28/2018</a:t>
+              <a:t>6/29/2018</a:t>
             </a:fld>
             <a:endParaRPr lang="en-US"/>
           </a:p>
@@ -1981,7 +1981,7 @@
             <a:fld id="{7EAF463A-BC7C-46EE-9F1E-7F377CCA4891}" type="datetimeFigureOut">
               <a:rPr lang="en-US" smtClean="0"/>
               <a:pPr/>
-              <a:t>6/28/2018</a:t>
+              <a:t>6/29/2018</a:t>
             </a:fld>
             <a:endParaRPr lang="en-US"/>
           </a:p>
@@ -2255,7 +2255,7 @@
             <a:fld id="{7EAF463A-BC7C-46EE-9F1E-7F377CCA4891}" type="datetimeFigureOut">
               <a:rPr lang="en-US" smtClean="0"/>
               <a:pPr/>
-              <a:t>6/28/2018</a:t>
+              <a:t>6/29/2018</a:t>
             </a:fld>
             <a:endParaRPr lang="en-US"/>
           </a:p>
@@ -2505,7 +2505,7 @@
             <a:fld id="{7EAF463A-BC7C-46EE-9F1E-7F377CCA4891}" type="datetimeFigureOut">
               <a:rPr lang="en-US" smtClean="0"/>
               <a:pPr/>
-              <a:t>6/28/2018</a:t>
+              <a:t>6/29/2018</a:t>
             </a:fld>
             <a:endParaRPr lang="en-US"/>
           </a:p>
@@ -2715,7 +2715,7 @@
             <a:fld id="{7EAF463A-BC7C-46EE-9F1E-7F377CCA4891}" type="datetimeFigureOut">
               <a:rPr lang="en-US" smtClean="0"/>
               <a:pPr/>
-              <a:t>6/28/2018</a:t>
+              <a:t>6/29/2018</a:t>
             </a:fld>
             <a:endParaRPr lang="en-US"/>
           </a:p>
@@ -3681,11 +3681,7 @@
             </a:pPr>
             <a:r>
               <a:rPr lang="ru-RU" dirty="0" smtClean="0"/>
-              <a:t>Мы разработали </a:t>
-            </a:r>
-            <a:r>
-              <a:rPr lang="ru-RU" dirty="0" smtClean="0"/>
-              <a:t>веб-сайт, с современным, интуитивно понятным дизайном и встроенным конструктором запросов, при работе с которым можно быстро получить справочную информацию по конкретным темам.</a:t>
+              <a:t>Мы разработали веб-сайт, с современным, интуитивно понятным дизайном и встроенным конструктором запросов, при работе с которым можно быстро получить справочную информацию по конкретным темам.</a:t>
             </a:r>
           </a:p>
           <a:p>
@@ -3880,7 +3876,7 @@
     </p:spTree>
     <p:extLst>
       <p:ext uri="{BB962C8B-B14F-4D97-AF65-F5344CB8AC3E}">
-        <p14:creationId xmlns:p14="http://schemas.microsoft.com/office/powerpoint/2010/main" xmlns="" val="2413031510"/>
+        <p14:creationId xmlns="" xmlns:p14="http://schemas.microsoft.com/office/powerpoint/2010/main" val="2413031510"/>
       </p:ext>
     </p:extLst>
   </p:cSld>
@@ -4129,7 +4125,7 @@
     </p:spTree>
     <p:extLst>
       <p:ext uri="{BB962C8B-B14F-4D97-AF65-F5344CB8AC3E}">
-        <p14:creationId xmlns:p14="http://schemas.microsoft.com/office/powerpoint/2010/main" xmlns="" val="2992606334"/>
+        <p14:creationId xmlns="" xmlns:p14="http://schemas.microsoft.com/office/powerpoint/2010/main" val="2992606334"/>
       </p:ext>
     </p:extLst>
   </p:cSld>
@@ -5707,7 +5703,7 @@
     </p:spTree>
     <p:extLst>
       <p:ext uri="{BB962C8B-B14F-4D97-AF65-F5344CB8AC3E}">
-        <p14:creationId xmlns:p14="http://schemas.microsoft.com/office/powerpoint/2010/main" xmlns="" val="3961880896"/>
+        <p14:creationId xmlns="" xmlns:p14="http://schemas.microsoft.com/office/powerpoint/2010/main" val="3961880896"/>
       </p:ext>
     </p:extLst>
   </p:cSld>
@@ -6938,7 +6934,13 @@
               <a:rPr lang="ru-RU" b="1" dirty="0" smtClean="0">
                 <a:latin typeface="+mn-lt"/>
               </a:rPr>
-              <a:t>конструктора БД</a:t>
+              <a:t>конструктора </a:t>
+            </a:r>
+            <a:r>
+              <a:rPr lang="ru-RU" b="1" dirty="0" smtClean="0">
+                <a:latin typeface="+mn-lt"/>
+              </a:rPr>
+              <a:t>запросов</a:t>
             </a:r>
             <a:endParaRPr lang="ru-RU" b="1" dirty="0">
               <a:latin typeface="+mn-lt"/>
@@ -7501,7 +7503,7 @@
     </p:spTree>
     <p:extLst>
       <p:ext uri="{BB962C8B-B14F-4D97-AF65-F5344CB8AC3E}">
-        <p14:creationId xmlns:p14="http://schemas.microsoft.com/office/powerpoint/2010/main" xmlns="" val="3896442568"/>
+        <p14:creationId xmlns="" xmlns:p14="http://schemas.microsoft.com/office/powerpoint/2010/main" val="3896442568"/>
       </p:ext>
     </p:extLst>
   </p:cSld>
